--- a/Arkham_IITKanpur.pptx
+++ b/Arkham_IITKanpur.pptx
@@ -238,6 +238,11 @@
       </a:defRPr>
     </a:lvl9pPr>
   </p:defaultTextStyle>
+  <p:extLst>
+    <p:ext uri="{EFAFB233-063F-42B5-8137-9DF3F51BA10A}">
+      <p15:sldGuideLst xmlns:p15="http://schemas.microsoft.com/office/powerpoint/2012/main"/>
+    </p:ext>
+  </p:extLst>
 </p:presentation>
 </file>
 
@@ -9612,24 +9617,115 @@
             </a:r>
           </a:p>
           <a:p>
-            <a:pPr marL="0" marR="0" lvl="0" indent="0" algn="l" rtl="0">
-              <a:spcBef>
-                <a:spcPts val="0"/>
-              </a:spcBef>
-              <a:spcAft>
-                <a:spcPts val="0"/>
-              </a:spcAft>
-              <a:buSzPct val="25000"/>
-              <a:buNone/>
-            </a:pPr>
+            <a:pPr lvl="0"/>
+            <a:r>
+              <a:rPr lang="en-US" sz="1800" dirty="0" smtClean="0">
+                <a:solidFill>
+                  <a:schemeClr val="dk1"/>
+                </a:solidFill>
+                <a:latin typeface="Calibri"/>
+                <a:ea typeface="Calibri"/>
+                <a:cs typeface="Calibri"/>
+                <a:sym typeface="Calibri"/>
+              </a:rPr>
+              <a:t>Random forest can </a:t>
+            </a:r>
             <a:r>
               <a:rPr lang="en-US" sz="1800" dirty="0">
                 <a:solidFill>
-                  <a:schemeClr val="tx1"/>
-                </a:solidFill>
+                  <a:schemeClr val="dk1"/>
+                </a:solidFill>
+                <a:latin typeface="Calibri"/>
+                <a:ea typeface="Calibri"/>
+                <a:cs typeface="Calibri"/>
+                <a:sym typeface="Calibri"/>
               </a:rPr>
-              <a:t>Random forests are an ensemble learning method for classification, regression and other tasks, that operate by constructing a multitude of decision trees at training time and outputting the class that is the mode of the classes (classification) or mean prediction (regression) of the individual trees. Random forests correct for decision trees' habit of overfitting to their training set.</a:t>
+              <a:t>deal with “small n large p”-problems, </a:t>
             </a:r>
+            <a:r>
+              <a:rPr lang="en-US" sz="1800" dirty="0" smtClean="0">
+                <a:solidFill>
+                  <a:schemeClr val="dk1"/>
+                </a:solidFill>
+                <a:latin typeface="Calibri"/>
+                <a:ea typeface="Calibri"/>
+                <a:cs typeface="Calibri"/>
+                <a:sym typeface="Calibri"/>
+              </a:rPr>
+              <a:t>high-order, interactions</a:t>
+            </a:r>
+            <a:r>
+              <a:rPr lang="en-US" sz="1800" dirty="0">
+                <a:solidFill>
+                  <a:schemeClr val="dk1"/>
+                </a:solidFill>
+                <a:latin typeface="Calibri"/>
+                <a:ea typeface="Calibri"/>
+                <a:cs typeface="Calibri"/>
+                <a:sym typeface="Calibri"/>
+              </a:rPr>
+              <a:t>, correlated predictor </a:t>
+            </a:r>
+            <a:r>
+              <a:rPr lang="en-US" sz="1800" dirty="0" smtClean="0">
+                <a:solidFill>
+                  <a:schemeClr val="dk1"/>
+                </a:solidFill>
+                <a:latin typeface="Calibri"/>
+                <a:ea typeface="Calibri"/>
+                <a:cs typeface="Calibri"/>
+                <a:sym typeface="Calibri"/>
+              </a:rPr>
+              <a:t>variables. Provides variables importance that can be used to eliminate less important variables and in turn tune our model.</a:t>
+            </a:r>
+          </a:p>
+          <a:p>
+            <a:pPr lvl="0"/>
+            <a:r>
+              <a:rPr lang="en-US" sz="1800" dirty="0">
+                <a:solidFill>
+                  <a:schemeClr val="dk1"/>
+                </a:solidFill>
+                <a:latin typeface="Calibri"/>
+                <a:ea typeface="Calibri"/>
+                <a:cs typeface="Calibri"/>
+                <a:sym typeface="Calibri"/>
+              </a:rPr>
+              <a:t>Random Forests use averaging to find a natural balance between </a:t>
+            </a:r>
+            <a:r>
+              <a:rPr lang="en-US" sz="1800" dirty="0" smtClean="0">
+                <a:solidFill>
+                  <a:schemeClr val="dk1"/>
+                </a:solidFill>
+                <a:latin typeface="Calibri"/>
+                <a:ea typeface="Calibri"/>
+                <a:cs typeface="Calibri"/>
+                <a:sym typeface="Calibri"/>
+              </a:rPr>
+              <a:t>high variance and high bias. This can be used quite efficiently with default parameters and it is a good to go model </a:t>
+            </a:r>
+            <a:r>
+              <a:rPr lang="en-US" sz="1800" smtClean="0">
+                <a:solidFill>
+                  <a:schemeClr val="dk1"/>
+                </a:solidFill>
+                <a:latin typeface="Calibri"/>
+                <a:ea typeface="Calibri"/>
+                <a:cs typeface="Calibri"/>
+                <a:sym typeface="Calibri"/>
+              </a:rPr>
+              <a:t>for starting.</a:t>
+            </a:r>
+            <a:endParaRPr lang="en-US" sz="1800" dirty="0">
+              <a:solidFill>
+                <a:schemeClr val="dk1"/>
+              </a:solidFill>
+              <a:latin typeface="Calibri"/>
+              <a:ea typeface="Calibri"/>
+              <a:cs typeface="Calibri"/>
+              <a:sym typeface="Calibri"/>
+            </a:endParaRPr>
           </a:p>
           <a:p>
             <a:pPr marL="0" marR="0" lvl="0" indent="0" algn="l" rtl="0">
@@ -9867,7 +9963,7 @@
           <a:graphicData uri="http://schemas.openxmlformats.org/presentationml/2006/ole">
             <mc:AlternateContent xmlns:mc="http://schemas.openxmlformats.org/markup-compatibility/2006">
               <mc:Choice xmlns:v="urn:schemas-microsoft-com:vml" Requires="v">
-                <p:oleObj spid="_x0000_s1029" name="Worksheet" showAsIcon="1" r:id="rId4" imgW="914400" imgH="771480" progId="Excel.Sheet.12">
+                <p:oleObj spid="_x0000_s1032" name="Worksheet" showAsIcon="1" r:id="rId4" imgW="914400" imgH="771480" progId="Excel.Sheet.12">
                   <p:embed/>
                 </p:oleObj>
               </mc:Choice>
